--- a/解析几何/常见曲面1.pptx
+++ b/解析几何/常见曲面1.pptx
@@ -5,10 +5,10 @@
     <p:sldMasterId id="2147483697" r:id="rId1"/>
   </p:sldMasterIdLst>
   <p:notesMasterIdLst>
-    <p:notesMasterId r:id="rId49"/>
+    <p:notesMasterId r:id="rId50"/>
   </p:notesMasterIdLst>
   <p:handoutMasterIdLst>
-    <p:handoutMasterId r:id="rId50"/>
+    <p:handoutMasterId r:id="rId51"/>
   </p:handoutMasterIdLst>
   <p:sldIdLst>
     <p:sldId id="744" r:id="rId2"/>
@@ -56,8 +56,9 @@
     <p:sldId id="782" r:id="rId44"/>
     <p:sldId id="783" r:id="rId45"/>
     <p:sldId id="790" r:id="rId46"/>
-    <p:sldId id="792" r:id="rId47"/>
-    <p:sldId id="791" r:id="rId48"/>
+    <p:sldId id="795" r:id="rId47"/>
+    <p:sldId id="792" r:id="rId48"/>
+    <p:sldId id="791" r:id="rId49"/>
   </p:sldIdLst>
   <p:sldSz cx="9144000" cy="6858000" type="screen4x3"/>
   <p:notesSz cx="6858000" cy="9144000"/>
@@ -191,8 +192,12 @@
 
 <file path=ppt/commentAuthors.xml><?xml version="1.0" encoding="utf-8"?>
 <p:cmAuthorLst xmlns:a="http://schemas.openxmlformats.org/drawingml/2006/main" xmlns:r="http://schemas.openxmlformats.org/officeDocument/2006/relationships" xmlns:p="http://schemas.openxmlformats.org/presentationml/2006/main">
-  <p:cmAuthor id="0" name="Administrator" initials="A" lastIdx="12" clrIdx="0"/>
+  <p:cmAuthor id="0" name="Administrator" initials="A" lastIdx="13" clrIdx="0"/>
 </p:cmAuthorLst>
+</file>
+
+<file path=ppt/activeX/activeX1.xml><?xml version="1.0" encoding="utf-8"?>
+<ax:ocx xmlns:ax="http://schemas.microsoft.com/office/2006/activeX" xmlns:r="http://schemas.openxmlformats.org/officeDocument/2006/relationships" ax:classid="{D27CDB6E-AE6D-11CF-96B8-444553540000}" ax:persistence="persistStorage" r:id="rId1"/>
 </file>
 
 <file path=ppt/comments/comment1.xml><?xml version="1.0" encoding="utf-8"?>
@@ -249,6 +254,10 @@
   <p:cm authorId="0" dt="2013-11-02T18:43:33.980" idx="6">
     <p:pos x="4851" y="1325"/>
     <p:text>以球面为例子解释</p:text>
+  </p:cm>
+  <p:cm authorId="0" dt="2014-11-13T18:25:53.229" idx="13">
+    <p:pos x="4788" y="835"/>
+    <p:text>解释一下为何叫做母线</p:text>
   </p:cm>
 </p:cmLst>
 </file>
@@ -363,7 +372,7 @@
             <a:fld id="{30BB1BE5-6F22-4DDA-A320-B21A494ED6B6}" type="datetimeFigureOut">
               <a:rPr lang="zh-CN" altLang="en-US" smtClean="0"/>
               <a:pPr/>
-              <a:t>2014/11/10</a:t>
+              <a:t>2014/11/17</a:t>
             </a:fld>
             <a:endParaRPr lang="zh-CN" altLang="en-US"/>
           </a:p>
@@ -1731,7 +1740,7 @@
             <a:fld id="{9D560EAC-D7E4-408B-B96D-8BAAF2D59EB6}" type="slidenum">
               <a:rPr lang="en-US" altLang="zh-CN" smtClean="0"/>
               <a:pPr/>
-              <a:t>46</a:t>
+              <a:t>47</a:t>
             </a:fld>
             <a:endParaRPr lang="en-US" altLang="zh-CN"/>
           </a:p>
@@ -2060,11 +2069,7 @@
           <a:p>
             <a:r>
               <a:rPr lang="zh-CN" altLang="en-US" dirty="0" smtClean="0"/>
-              <a:t>首先把要用到的概念严格</a:t>
-            </a:r>
-            <a:r>
-              <a:rPr lang="zh-CN" altLang="en-US" dirty="0" smtClean="0"/>
-              <a:t>化，之后再看具体的例子</a:t>
+              <a:t>首先把要用到的概念严格化，之后再看具体的例子</a:t>
             </a:r>
             <a:endParaRPr lang="zh-CN" altLang="en-US" dirty="0"/>
           </a:p>
@@ -8509,11 +8514,7 @@
             </a:r>
             <a:r>
               <a:rPr lang="zh-CN" altLang="en-US" sz="2800" b="1" dirty="0" smtClean="0"/>
-              <a:t>称</a:t>
-            </a:r>
-            <a:r>
-              <a:rPr lang="zh-CN" altLang="en-US" sz="2800" b="1" dirty="0" smtClean="0"/>
-              <a:t>为</a:t>
+              <a:t>称为</a:t>
             </a:r>
             <a:r>
               <a:rPr lang="zh-CN" altLang="en-US" sz="2800" b="1" dirty="0" smtClean="0">
@@ -8521,15 +8522,7 @@
                   <a:schemeClr val="accent1"/>
                 </a:solidFill>
               </a:rPr>
-              <a:t>纬</a:t>
-            </a:r>
-            <a:r>
-              <a:rPr lang="zh-CN" altLang="en-US" sz="2800" b="1" dirty="0" smtClean="0">
-                <a:solidFill>
-                  <a:schemeClr val="accent1"/>
-                </a:solidFill>
-              </a:rPr>
-              <a:t>度</a:t>
+              <a:t>纬度</a:t>
             </a:r>
             <a:r>
               <a:rPr lang="zh-CN" altLang="en-US" sz="2800" b="1" dirty="0" smtClean="0"/>
@@ -8639,15 +8632,7 @@
                   <a:srgbClr val="000000"/>
                 </a:solidFill>
               </a:rPr>
-              <a:t>P</a:t>
-            </a:r>
-            <a:r>
-              <a:rPr lang="en-US" altLang="zh-CN" sz="2800" b="1" dirty="0" smtClean="0">
-                <a:solidFill>
-                  <a:srgbClr val="000000"/>
-                </a:solidFill>
-              </a:rPr>
-              <a:t>(</a:t>
+              <a:t>P(</a:t>
             </a:r>
             <a:r>
               <a:rPr lang="en-US" altLang="zh-CN" sz="2800" b="1" dirty="0" err="1" smtClean="0">
@@ -10801,8 +10786,16 @@
           <a:lstStyle/>
           <a:p>
             <a:r>
+              <a:rPr lang="zh-CN" altLang="en-US" sz="2800" b="1" dirty="0" smtClean="0">
+                <a:solidFill>
+                  <a:schemeClr val="accent2"/>
+                </a:solidFill>
+              </a:rPr>
+              <a:t>观察：</a:t>
+            </a:r>
+            <a:r>
               <a:rPr lang="zh-CN" altLang="en-US" sz="2800" b="1" dirty="0" smtClean="0"/>
-              <a:t>观察：球面可以看做一个半圆绕其直径旋转一周所形成的曲面。</a:t>
+              <a:t>球面可以看做一个半圆绕其直径旋转一周所形成的曲面。</a:t>
             </a:r>
           </a:p>
         </p:txBody>
@@ -11864,11 +11857,7 @@
               <a:t>母线</a:t>
             </a:r>
             <a:r>
-              <a:rPr kumimoji="1" lang="zh-CN" altLang="en-US" sz="2800" b="1" dirty="0" smtClean="0">
-                <a:solidFill>
-                  <a:schemeClr val="accent2"/>
-                </a:solidFill>
-              </a:rPr>
+              <a:rPr kumimoji="1" lang="zh-CN" altLang="en-US" sz="2800" b="1" dirty="0" smtClean="0"/>
               <a:t>．</a:t>
             </a:r>
             <a:endParaRPr kumimoji="1" lang="zh-CN" altLang="en-US" sz="2800" b="1" dirty="0"/>
@@ -21486,7 +21475,6 @@
               <a:rPr lang="zh-CN" altLang="en-US" sz="2800" b="1" dirty="0" smtClean="0"/>
               <a:t>注意，条件还可以改写为：</a:t>
             </a:r>
-            <a:endParaRPr lang="zh-CN" altLang="en-US" sz="2800" b="1" dirty="0" smtClean="0"/>
           </a:p>
         </p:txBody>
       </p:sp>
@@ -23279,23 +23267,7 @@
             </a:pPr>
             <a:r>
               <a:rPr lang="zh-CN" altLang="en-US" sz="2800" b="1" dirty="0" smtClean="0"/>
-              <a:t>最常用的方法是将曲面的研究转化为相关的曲</a:t>
-            </a:r>
-            <a:r>
-              <a:rPr lang="zh-CN" altLang="en-US" sz="2800" b="1" dirty="0" smtClean="0"/>
-              <a:t>线</a:t>
-            </a:r>
-            <a:r>
-              <a:rPr lang="zh-CN" altLang="en-US" sz="2800" b="1" dirty="0" smtClean="0"/>
-              <a:t>、甚至是直线</a:t>
-            </a:r>
-            <a:r>
-              <a:rPr lang="zh-CN" altLang="en-US" sz="2800" b="1" dirty="0" smtClean="0"/>
-              <a:t>的</a:t>
-            </a:r>
-            <a:r>
-              <a:rPr lang="zh-CN" altLang="en-US" sz="2800" b="1" dirty="0" smtClean="0"/>
-              <a:t>研究，即将复杂的对象分解为一系列简单对象的集合。</a:t>
+              <a:t>最常用的方法是将曲面的研究转化为相关的曲线、甚至是直线的研究，即将复杂的对象分解为一系列简单对象的集合。</a:t>
             </a:r>
           </a:p>
         </p:txBody>
@@ -42413,15 +42385,7 @@
           <a:p>
             <a:r>
               <a:rPr lang="zh-CN" altLang="en-US" sz="2800" b="1" dirty="0" smtClean="0"/>
-              <a:t>小蛮腰</a:t>
-            </a:r>
-            <a:r>
-              <a:rPr lang="zh-CN" altLang="en-US" sz="2800" b="1" dirty="0" smtClean="0"/>
-              <a:t>，旋转单</a:t>
-            </a:r>
-            <a:r>
-              <a:rPr lang="zh-CN" altLang="en-US" sz="2800" b="1" dirty="0" smtClean="0"/>
-              <a:t>叶双曲面</a:t>
+              <a:t>小蛮腰，旋转单叶双曲面</a:t>
             </a:r>
             <a:endParaRPr lang="zh-CN" altLang="en-US" sz="2800" b="1" dirty="0"/>
           </a:p>
@@ -43913,6 +43877,84 @@
         </p:nvSpPr>
         <p:spPr>
           <a:xfrm>
+            <a:off x="3520695" y="323945"/>
+            <a:ext cx="1832553" cy="584775"/>
+          </a:xfrm>
+          <a:prstGeom prst="rect">
+            <a:avLst/>
+          </a:prstGeom>
+          <a:noFill/>
+        </p:spPr>
+        <p:txBody>
+          <a:bodyPr wrap="none" rtlCol="0">
+            <a:spAutoFit/>
+          </a:bodyPr>
+          <a:lstStyle/>
+          <a:p>
+            <a:r>
+              <a:rPr lang="zh-CN" altLang="en-US" b="1" dirty="0" smtClean="0">
+                <a:solidFill>
+                  <a:schemeClr val="accent2"/>
+                </a:solidFill>
+                <a:latin typeface="+mj-ea"/>
+                <a:ea typeface="+mj-ea"/>
+              </a:rPr>
+              <a:t>双曲狭缝</a:t>
+            </a:r>
+            <a:endParaRPr lang="zh-CN" altLang="en-US" b="1" dirty="0" smtClean="0">
+              <a:solidFill>
+                <a:schemeClr val="accent2"/>
+              </a:solidFill>
+              <a:latin typeface="+mj-ea"/>
+              <a:ea typeface="+mj-ea"/>
+            </a:endParaRPr>
+          </a:p>
+        </p:txBody>
+      </p:sp>
+    </p:spTree>
+    <p:controls>
+      <p:control spid="827395" name="ShockwaveFlash1" r:id="rId2" imgW="7271649" imgH="5111299"/>
+    </p:controls>
+  </p:cSld>
+  <p:clrMapOvr>
+    <a:masterClrMapping/>
+  </p:clrMapOvr>
+  <p:transition/>
+  <p:timing>
+    <p:tnLst>
+      <p:par>
+        <p:cTn id="1" dur="indefinite" restart="never" nodeType="tmRoot"/>
+      </p:par>
+    </p:tnLst>
+  </p:timing>
+</p:sld>
+</file>
+
+<file path=ppt/slides/slide47.xml><?xml version="1.0" encoding="utf-8"?>
+<p:sld xmlns:a="http://schemas.openxmlformats.org/drawingml/2006/main" xmlns:r="http://schemas.openxmlformats.org/officeDocument/2006/relationships" xmlns:p="http://schemas.openxmlformats.org/presentationml/2006/main">
+  <p:cSld>
+    <p:spTree>
+      <p:nvGrpSpPr>
+        <p:cNvPr id="1" name=""/>
+        <p:cNvGrpSpPr/>
+        <p:nvPr/>
+      </p:nvGrpSpPr>
+      <p:grpSpPr>
+        <a:xfrm>
+          <a:off x="0" y="0"/>
+          <a:ext cx="0" cy="0"/>
+          <a:chOff x="0" y="0"/>
+          <a:chExt cx="0" cy="0"/>
+        </a:xfrm>
+      </p:grpSpPr>
+      <p:sp>
+        <p:nvSpPr>
+          <p:cNvPr id="2" name="TextBox 1"/>
+          <p:cNvSpPr txBox="1"/>
+          <p:nvPr/>
+        </p:nvSpPr>
+        <p:spPr>
+          <a:xfrm>
             <a:off x="683568" y="980728"/>
             <a:ext cx="7704856" cy="954107"/>
           </a:xfrm>
@@ -43950,7 +43992,7 @@
 </p:sld>
 </file>
 
-<file path=ppt/slides/slide47.xml><?xml version="1.0" encoding="utf-8"?>
+<file path=ppt/slides/slide48.xml><?xml version="1.0" encoding="utf-8"?>
 <p:sld xmlns:a="http://schemas.openxmlformats.org/drawingml/2006/main" xmlns:r="http://schemas.openxmlformats.org/officeDocument/2006/relationships" xmlns:p="http://schemas.openxmlformats.org/presentationml/2006/main">
   <p:cSld>
     <p:spTree>
@@ -45348,11 +45390,6 @@
               </a:rPr>
               <a:t>注意我们事先并不知道必为平面</a:t>
             </a:r>
-            <a:endParaRPr lang="zh-CN" altLang="en-US" sz="2800" b="1" dirty="0" smtClean="0">
-              <a:solidFill>
-                <a:schemeClr val="bg2"/>
-              </a:solidFill>
-            </a:endParaRPr>
           </a:p>
         </p:txBody>
       </p:sp>
@@ -45398,7 +45435,6 @@
               <a:rPr lang="zh-CN" altLang="en-US" sz="2800" b="1" dirty="0" smtClean="0"/>
               <a:t>落在曲面上，</a:t>
             </a:r>
-            <a:endParaRPr lang="zh-CN" altLang="en-US" sz="2800" b="1" dirty="0" smtClean="0"/>
           </a:p>
         </p:txBody>
       </p:sp>
@@ -46776,11 +46812,7 @@
           <a:p>
             <a:r>
               <a:rPr lang="zh-CN" altLang="en-US" sz="2800" b="1" dirty="0" smtClean="0"/>
-              <a:t>故将数</a:t>
-            </a:r>
-            <a:r>
-              <a:rPr lang="zh-CN" altLang="en-US" sz="2800" b="1" dirty="0" smtClean="0"/>
-              <a:t>对</a:t>
+              <a:t>故将数对</a:t>
             </a:r>
             <a:r>
               <a:rPr lang="en-US" altLang="zh-CN" sz="2800" b="1" dirty="0" smtClean="0"/>
